--- a/tyler/meena/cs320/s23/lec/08-oop2/slides.pptx
+++ b/tyler/meena/cs320/s23/lec/08-oop2/slides.pptx
@@ -328,6 +328,11 @@
       </a:defRPr>
     </a:lvl9pPr>
   </p:defaultTextStyle>
+  <p:extLst>
+    <p:ext uri="{EFAFB233-063F-42B5-8137-9DF3F51BA10A}">
+      <p15:sldGuideLst xmlns:p15="http://schemas.microsoft.com/office/powerpoint/2012/main"/>
+    </p:ext>
+  </p:extLst>
 </p:presentation>
 </file>
 
@@ -2150,7 +2155,7 @@
           </a:ln>
           <a:extLst>
             <a:ext uri="{C572A759-6A51-4108-AA02-DFA0A04FC94B}">
-              <ma14:wrappingTextBoxFlag xmlns:ma14="http://schemas.microsoft.com/office/mac/drawingml/2011/main" xmlns:a14="http://schemas.microsoft.com/office/drawing/2010/main" xmlns:m="http://schemas.openxmlformats.org/officeDocument/2006/math" xmlns="" val="1"/>
+              <ma14:wrappingTextBoxFlag xmlns="" xmlns:m="http://schemas.openxmlformats.org/officeDocument/2006/math" xmlns:a14="http://schemas.microsoft.com/office/drawing/2010/main" xmlns:ma14="http://schemas.microsoft.com/office/mac/drawingml/2011/main" val="1"/>
             </a:ext>
           </a:extLst>
         </p:spPr>
@@ -2189,7 +2194,7 @@
           </a:ln>
           <a:extLst>
             <a:ext uri="{C572A759-6A51-4108-AA02-DFA0A04FC94B}">
-              <ma14:wrappingTextBoxFlag xmlns:ma14="http://schemas.microsoft.com/office/mac/drawingml/2011/main" xmlns:a14="http://schemas.microsoft.com/office/drawing/2010/main" xmlns:m="http://schemas.openxmlformats.org/officeDocument/2006/math" xmlns="" val="1"/>
+              <ma14:wrappingTextBoxFlag xmlns="" xmlns:m="http://schemas.openxmlformats.org/officeDocument/2006/math" xmlns:a14="http://schemas.microsoft.com/office/drawing/2010/main" xmlns:ma14="http://schemas.microsoft.com/office/mac/drawingml/2011/main" val="1"/>
             </a:ext>
           </a:extLst>
         </p:spPr>
@@ -3117,7 +3122,7 @@
 </file>
 
 <file path=ppt/slides/slide10.xml><?xml version="1.0" encoding="utf-8"?>
-<p:sld xmlns:a="http://schemas.openxmlformats.org/drawingml/2006/main" xmlns:r="http://schemas.openxmlformats.org/officeDocument/2006/relationships" xmlns:p="http://schemas.openxmlformats.org/presentationml/2006/main" show="0">
+<p:sld xmlns:a="http://schemas.openxmlformats.org/drawingml/2006/main" xmlns:r="http://schemas.openxmlformats.org/officeDocument/2006/relationships" xmlns:p="http://schemas.openxmlformats.org/presentationml/2006/main">
   <p:cSld>
     <p:spTree>
       <p:nvGrpSpPr>
@@ -3219,7 +3224,7 @@
           </a:ln>
           <a:extLst>
             <a:ext uri="{C572A759-6A51-4108-AA02-DFA0A04FC94B}">
-              <ma14:wrappingTextBoxFlag xmlns:ma14="http://schemas.microsoft.com/office/mac/drawingml/2011/main" xmlns:a14="http://schemas.microsoft.com/office/drawing/2010/main" xmlns:m="http://schemas.openxmlformats.org/officeDocument/2006/math" xmlns="" val="1"/>
+              <ma14:wrappingTextBoxFlag xmlns="" xmlns:m="http://schemas.openxmlformats.org/officeDocument/2006/math" xmlns:a14="http://schemas.microsoft.com/office/drawing/2010/main" xmlns:ma14="http://schemas.microsoft.com/office/mac/drawingml/2011/main" val="1"/>
             </a:ext>
           </a:extLst>
         </p:spPr>
@@ -3341,7 +3346,7 @@
 </file>
 
 <file path=ppt/slides/slide11.xml><?xml version="1.0" encoding="utf-8"?>
-<p:sld xmlns:a="http://schemas.openxmlformats.org/drawingml/2006/main" xmlns:r="http://schemas.openxmlformats.org/officeDocument/2006/relationships" xmlns:p="http://schemas.openxmlformats.org/presentationml/2006/main" show="0">
+<p:sld xmlns:a="http://schemas.openxmlformats.org/drawingml/2006/main" xmlns:r="http://schemas.openxmlformats.org/officeDocument/2006/relationships" xmlns:p="http://schemas.openxmlformats.org/presentationml/2006/main">
   <p:cSld>
     <p:spTree>
       <p:nvGrpSpPr>
@@ -3443,7 +3448,7 @@
           </a:ln>
           <a:extLst>
             <a:ext uri="{C572A759-6A51-4108-AA02-DFA0A04FC94B}">
-              <ma14:wrappingTextBoxFlag xmlns:ma14="http://schemas.microsoft.com/office/mac/drawingml/2011/main" xmlns:a14="http://schemas.microsoft.com/office/drawing/2010/main" xmlns:m="http://schemas.openxmlformats.org/officeDocument/2006/math" xmlns="" val="1"/>
+              <ma14:wrappingTextBoxFlag xmlns="" xmlns:m="http://schemas.openxmlformats.org/officeDocument/2006/math" xmlns:a14="http://schemas.microsoft.com/office/drawing/2010/main" xmlns:ma14="http://schemas.microsoft.com/office/mac/drawingml/2011/main" val="1"/>
             </a:ext>
           </a:extLst>
         </p:spPr>
@@ -3628,7 +3633,7 @@
 </file>
 
 <file path=ppt/slides/slide12.xml><?xml version="1.0" encoding="utf-8"?>
-<p:sld xmlns:a="http://schemas.openxmlformats.org/drawingml/2006/main" xmlns:r="http://schemas.openxmlformats.org/officeDocument/2006/relationships" xmlns:p="http://schemas.openxmlformats.org/presentationml/2006/main" show="0">
+<p:sld xmlns:a="http://schemas.openxmlformats.org/drawingml/2006/main" xmlns:r="http://schemas.openxmlformats.org/officeDocument/2006/relationships" xmlns:p="http://schemas.openxmlformats.org/presentationml/2006/main">
   <p:cSld>
     <p:spTree>
       <p:nvGrpSpPr>
@@ -3730,7 +3735,7 @@
           </a:ln>
           <a:extLst>
             <a:ext uri="{C572A759-6A51-4108-AA02-DFA0A04FC94B}">
-              <ma14:wrappingTextBoxFlag xmlns:ma14="http://schemas.microsoft.com/office/mac/drawingml/2011/main" xmlns:a14="http://schemas.microsoft.com/office/drawing/2010/main" xmlns:m="http://schemas.openxmlformats.org/officeDocument/2006/math" xmlns="" val="1"/>
+              <ma14:wrappingTextBoxFlag xmlns="" xmlns:m="http://schemas.openxmlformats.org/officeDocument/2006/math" xmlns:a14="http://schemas.microsoft.com/office/drawing/2010/main" xmlns:ma14="http://schemas.microsoft.com/office/mac/drawingml/2011/main" val="1"/>
             </a:ext>
           </a:extLst>
         </p:spPr>
@@ -3915,7 +3920,7 @@
 </file>
 
 <file path=ppt/slides/slide13.xml><?xml version="1.0" encoding="utf-8"?>
-<p:sld xmlns:a="http://schemas.openxmlformats.org/drawingml/2006/main" xmlns:r="http://schemas.openxmlformats.org/officeDocument/2006/relationships" xmlns:p="http://schemas.openxmlformats.org/presentationml/2006/main" show="0">
+<p:sld xmlns:a="http://schemas.openxmlformats.org/drawingml/2006/main" xmlns:r="http://schemas.openxmlformats.org/officeDocument/2006/relationships" xmlns:p="http://schemas.openxmlformats.org/presentationml/2006/main">
   <p:cSld>
     <p:spTree>
       <p:nvGrpSpPr>
@@ -4017,7 +4022,7 @@
           </a:ln>
           <a:extLst>
             <a:ext uri="{C572A759-6A51-4108-AA02-DFA0A04FC94B}">
-              <ma14:wrappingTextBoxFlag xmlns:ma14="http://schemas.microsoft.com/office/mac/drawingml/2011/main" xmlns:a14="http://schemas.microsoft.com/office/drawing/2010/main" xmlns:m="http://schemas.openxmlformats.org/officeDocument/2006/math" xmlns="" val="1"/>
+              <ma14:wrappingTextBoxFlag xmlns="" xmlns:m="http://schemas.openxmlformats.org/officeDocument/2006/math" xmlns:a14="http://schemas.microsoft.com/office/drawing/2010/main" xmlns:ma14="http://schemas.microsoft.com/office/mac/drawingml/2011/main" val="1"/>
             </a:ext>
           </a:extLst>
         </p:spPr>
@@ -4171,7 +4176,7 @@
           </a:ln>
           <a:extLst>
             <a:ext uri="{C572A759-6A51-4108-AA02-DFA0A04FC94B}">
-              <ma14:wrappingTextBoxFlag xmlns:ma14="http://schemas.microsoft.com/office/mac/drawingml/2011/main" xmlns:a14="http://schemas.microsoft.com/office/drawing/2010/main" xmlns:m="http://schemas.openxmlformats.org/officeDocument/2006/math" xmlns="" val="1"/>
+              <ma14:wrappingTextBoxFlag xmlns="" xmlns:m="http://schemas.openxmlformats.org/officeDocument/2006/math" xmlns:a14="http://schemas.microsoft.com/office/drawing/2010/main" xmlns:ma14="http://schemas.microsoft.com/office/mac/drawingml/2011/main" val="1"/>
             </a:ext>
           </a:extLst>
         </p:spPr>
@@ -4426,7 +4431,7 @@
           </a:ln>
           <a:extLst>
             <a:ext uri="{C572A759-6A51-4108-AA02-DFA0A04FC94B}">
-              <ma14:wrappingTextBoxFlag xmlns:ma14="http://schemas.microsoft.com/office/mac/drawingml/2011/main" xmlns:a14="http://schemas.microsoft.com/office/drawing/2010/main" xmlns:m="http://schemas.openxmlformats.org/officeDocument/2006/math" xmlns="" val="1"/>
+              <ma14:wrappingTextBoxFlag xmlns="" xmlns:m="http://schemas.openxmlformats.org/officeDocument/2006/math" xmlns:a14="http://schemas.microsoft.com/office/drawing/2010/main" xmlns:ma14="http://schemas.microsoft.com/office/mac/drawingml/2011/main" val="1"/>
             </a:ext>
           </a:extLst>
         </p:spPr>
@@ -4728,7 +4733,7 @@
           </a:ln>
           <a:extLst>
             <a:ext uri="{C572A759-6A51-4108-AA02-DFA0A04FC94B}">
-              <ma14:wrappingTextBoxFlag xmlns:ma14="http://schemas.microsoft.com/office/mac/drawingml/2011/main" xmlns:a14="http://schemas.microsoft.com/office/drawing/2010/main" xmlns:m="http://schemas.openxmlformats.org/officeDocument/2006/math" xmlns="" val="1"/>
+              <ma14:wrappingTextBoxFlag xmlns="" xmlns:m="http://schemas.openxmlformats.org/officeDocument/2006/math" xmlns:a14="http://schemas.microsoft.com/office/drawing/2010/main" xmlns:ma14="http://schemas.microsoft.com/office/mac/drawingml/2011/main" val="1"/>
             </a:ext>
           </a:extLst>
         </p:spPr>
@@ -4846,7 +4851,7 @@
           </a:ln>
           <a:extLst>
             <a:ext uri="{C572A759-6A51-4108-AA02-DFA0A04FC94B}">
-              <ma14:wrappingTextBoxFlag xmlns:ma14="http://schemas.microsoft.com/office/mac/drawingml/2011/main" xmlns:a14="http://schemas.microsoft.com/office/drawing/2010/main" xmlns:m="http://schemas.openxmlformats.org/officeDocument/2006/math" xmlns="" val="1"/>
+              <ma14:wrappingTextBoxFlag xmlns="" xmlns:m="http://schemas.openxmlformats.org/officeDocument/2006/math" xmlns:a14="http://schemas.microsoft.com/office/drawing/2010/main" xmlns:ma14="http://schemas.microsoft.com/office/mac/drawingml/2011/main" val="1"/>
             </a:ext>
           </a:extLst>
         </p:spPr>
@@ -5001,7 +5006,7 @@
           </a:ln>
           <a:extLst>
             <a:ext uri="{C572A759-6A51-4108-AA02-DFA0A04FC94B}">
-              <ma14:wrappingTextBoxFlag xmlns:ma14="http://schemas.microsoft.com/office/mac/drawingml/2011/main" xmlns:a14="http://schemas.microsoft.com/office/drawing/2010/main" xmlns:m="http://schemas.openxmlformats.org/officeDocument/2006/math" xmlns="" val="1"/>
+              <ma14:wrappingTextBoxFlag xmlns="" xmlns:m="http://schemas.openxmlformats.org/officeDocument/2006/math" xmlns:a14="http://schemas.microsoft.com/office/drawing/2010/main" xmlns:ma14="http://schemas.microsoft.com/office/mac/drawingml/2011/main" val="1"/>
             </a:ext>
           </a:extLst>
         </p:spPr>
@@ -5181,7 +5186,7 @@
           </a:ln>
           <a:extLst>
             <a:ext uri="{C572A759-6A51-4108-AA02-DFA0A04FC94B}">
-              <ma14:wrappingTextBoxFlag xmlns:ma14="http://schemas.microsoft.com/office/mac/drawingml/2011/main" xmlns:a14="http://schemas.microsoft.com/office/drawing/2010/main" xmlns:m="http://schemas.openxmlformats.org/officeDocument/2006/math" xmlns="" val="1"/>
+              <ma14:wrappingTextBoxFlag xmlns="" xmlns:m="http://schemas.openxmlformats.org/officeDocument/2006/math" xmlns:a14="http://schemas.microsoft.com/office/drawing/2010/main" xmlns:ma14="http://schemas.microsoft.com/office/mac/drawingml/2011/main" val="1"/>
             </a:ext>
           </a:extLst>
         </p:spPr>
@@ -5299,7 +5304,7 @@
           </a:ln>
           <a:extLst>
             <a:ext uri="{C572A759-6A51-4108-AA02-DFA0A04FC94B}">
-              <ma14:wrappingTextBoxFlag xmlns:ma14="http://schemas.microsoft.com/office/mac/drawingml/2011/main" xmlns:a14="http://schemas.microsoft.com/office/drawing/2010/main" xmlns:m="http://schemas.openxmlformats.org/officeDocument/2006/math" xmlns="" val="1"/>
+              <ma14:wrappingTextBoxFlag xmlns="" xmlns:m="http://schemas.openxmlformats.org/officeDocument/2006/math" xmlns:a14="http://schemas.microsoft.com/office/drawing/2010/main" xmlns:ma14="http://schemas.microsoft.com/office/mac/drawingml/2011/main" val="1"/>
             </a:ext>
           </a:extLst>
         </p:spPr>
@@ -5462,7 +5467,7 @@
           </a:ln>
           <a:extLst>
             <a:ext uri="{C572A759-6A51-4108-AA02-DFA0A04FC94B}">
-              <ma14:wrappingTextBoxFlag xmlns:ma14="http://schemas.microsoft.com/office/mac/drawingml/2011/main" xmlns:a14="http://schemas.microsoft.com/office/drawing/2010/main" xmlns:m="http://schemas.openxmlformats.org/officeDocument/2006/math" xmlns="" val="1"/>
+              <ma14:wrappingTextBoxFlag xmlns="" xmlns:m="http://schemas.openxmlformats.org/officeDocument/2006/math" xmlns:a14="http://schemas.microsoft.com/office/drawing/2010/main" xmlns:ma14="http://schemas.microsoft.com/office/mac/drawingml/2011/main" val="1"/>
             </a:ext>
           </a:extLst>
         </p:spPr>
@@ -5688,7 +5693,7 @@
           </a:ln>
           <a:extLst>
             <a:ext uri="{C572A759-6A51-4108-AA02-DFA0A04FC94B}">
-              <ma14:wrappingTextBoxFlag xmlns:ma14="http://schemas.microsoft.com/office/mac/drawingml/2011/main" xmlns:a14="http://schemas.microsoft.com/office/drawing/2010/main" xmlns:m="http://schemas.openxmlformats.org/officeDocument/2006/math" xmlns="" val="1"/>
+              <ma14:wrappingTextBoxFlag xmlns="" xmlns:m="http://schemas.openxmlformats.org/officeDocument/2006/math" xmlns:a14="http://schemas.microsoft.com/office/drawing/2010/main" xmlns:ma14="http://schemas.microsoft.com/office/mac/drawingml/2011/main" val="1"/>
             </a:ext>
           </a:extLst>
         </p:spPr>
@@ -5806,7 +5811,7 @@
           </a:ln>
           <a:extLst>
             <a:ext uri="{C572A759-6A51-4108-AA02-DFA0A04FC94B}">
-              <ma14:wrappingTextBoxFlag xmlns:ma14="http://schemas.microsoft.com/office/mac/drawingml/2011/main" xmlns:a14="http://schemas.microsoft.com/office/drawing/2010/main" xmlns:m="http://schemas.openxmlformats.org/officeDocument/2006/math" xmlns="" val="1"/>
+              <ma14:wrappingTextBoxFlag xmlns="" xmlns:m="http://schemas.openxmlformats.org/officeDocument/2006/math" xmlns:a14="http://schemas.microsoft.com/office/drawing/2010/main" xmlns:ma14="http://schemas.microsoft.com/office/mac/drawingml/2011/main" val="1"/>
             </a:ext>
           </a:extLst>
         </p:spPr>
@@ -5969,7 +5974,7 @@
           </a:ln>
           <a:extLst>
             <a:ext uri="{C572A759-6A51-4108-AA02-DFA0A04FC94B}">
-              <ma14:wrappingTextBoxFlag xmlns:ma14="http://schemas.microsoft.com/office/mac/drawingml/2011/main" xmlns:a14="http://schemas.microsoft.com/office/drawing/2010/main" xmlns:m="http://schemas.openxmlformats.org/officeDocument/2006/math" xmlns="" val="1"/>
+              <ma14:wrappingTextBoxFlag xmlns="" xmlns:m="http://schemas.openxmlformats.org/officeDocument/2006/math" xmlns:a14="http://schemas.microsoft.com/office/drawing/2010/main" xmlns:ma14="http://schemas.microsoft.com/office/mac/drawingml/2011/main" val="1"/>
             </a:ext>
           </a:extLst>
         </p:spPr>
@@ -6168,7 +6173,7 @@
           </a:ln>
           <a:extLst>
             <a:ext uri="{C572A759-6A51-4108-AA02-DFA0A04FC94B}">
-              <ma14:wrappingTextBoxFlag xmlns:ma14="http://schemas.microsoft.com/office/mac/drawingml/2011/main" xmlns:a14="http://schemas.microsoft.com/office/drawing/2010/main" xmlns:m="http://schemas.openxmlformats.org/officeDocument/2006/math" xmlns="" val="1"/>
+              <ma14:wrappingTextBoxFlag xmlns="" xmlns:m="http://schemas.openxmlformats.org/officeDocument/2006/math" xmlns:a14="http://schemas.microsoft.com/office/drawing/2010/main" xmlns:ma14="http://schemas.microsoft.com/office/mac/drawingml/2011/main" val="1"/>
             </a:ext>
           </a:extLst>
         </p:spPr>
@@ -6312,7 +6317,7 @@
           </a:ln>
           <a:extLst>
             <a:ext uri="{C572A759-6A51-4108-AA02-DFA0A04FC94B}">
-              <ma14:wrappingTextBoxFlag xmlns:ma14="http://schemas.microsoft.com/office/mac/drawingml/2011/main" xmlns:a14="http://schemas.microsoft.com/office/drawing/2010/main" xmlns:m="http://schemas.openxmlformats.org/officeDocument/2006/math" xmlns="" val="1"/>
+              <ma14:wrappingTextBoxFlag xmlns="" xmlns:m="http://schemas.openxmlformats.org/officeDocument/2006/math" xmlns:a14="http://schemas.microsoft.com/office/drawing/2010/main" xmlns:ma14="http://schemas.microsoft.com/office/mac/drawingml/2011/main" val="1"/>
             </a:ext>
           </a:extLst>
         </p:spPr>
@@ -6474,7 +6479,7 @@
           </a:ln>
           <a:extLst>
             <a:ext uri="{C572A759-6A51-4108-AA02-DFA0A04FC94B}">
-              <ma14:wrappingTextBoxFlag xmlns:ma14="http://schemas.microsoft.com/office/mac/drawingml/2011/main" xmlns:a14="http://schemas.microsoft.com/office/drawing/2010/main" xmlns:m="http://schemas.openxmlformats.org/officeDocument/2006/math" xmlns="" val="1"/>
+              <ma14:wrappingTextBoxFlag xmlns="" xmlns:m="http://schemas.openxmlformats.org/officeDocument/2006/math" xmlns:a14="http://schemas.microsoft.com/office/drawing/2010/main" xmlns:ma14="http://schemas.microsoft.com/office/mac/drawingml/2011/main" val="1"/>
             </a:ext>
           </a:extLst>
         </p:spPr>
@@ -6629,7 +6634,7 @@
           </a:ln>
           <a:extLst>
             <a:ext uri="{C572A759-6A51-4108-AA02-DFA0A04FC94B}">
-              <ma14:wrappingTextBoxFlag xmlns:ma14="http://schemas.microsoft.com/office/mac/drawingml/2011/main" xmlns:a14="http://schemas.microsoft.com/office/drawing/2010/main" xmlns:m="http://schemas.openxmlformats.org/officeDocument/2006/math" xmlns="" val="1"/>
+              <ma14:wrappingTextBoxFlag xmlns="" xmlns:m="http://schemas.openxmlformats.org/officeDocument/2006/math" xmlns:a14="http://schemas.microsoft.com/office/drawing/2010/main" xmlns:ma14="http://schemas.microsoft.com/office/mac/drawingml/2011/main" val="1"/>
             </a:ext>
           </a:extLst>
         </p:spPr>
@@ -6740,7 +6745,7 @@
 </file>
 
 <file path=ppt/slides/slide2.xml><?xml version="1.0" encoding="utf-8"?>
-<p:sld xmlns:a="http://schemas.openxmlformats.org/drawingml/2006/main" xmlns:r="http://schemas.openxmlformats.org/officeDocument/2006/relationships" xmlns:p="http://schemas.openxmlformats.org/presentationml/2006/main" show="0">
+<p:sld xmlns:a="http://schemas.openxmlformats.org/drawingml/2006/main" xmlns:r="http://schemas.openxmlformats.org/officeDocument/2006/relationships" xmlns:p="http://schemas.openxmlformats.org/presentationml/2006/main">
   <p:cSld>
     <p:spTree>
       <p:nvGrpSpPr>
@@ -6841,7 +6846,7 @@
           </a:ln>
           <a:extLst>
             <a:ext uri="{C572A759-6A51-4108-AA02-DFA0A04FC94B}">
-              <ma14:wrappingTextBoxFlag xmlns:ma14="http://schemas.microsoft.com/office/mac/drawingml/2011/main" xmlns:a14="http://schemas.microsoft.com/office/drawing/2010/main" xmlns:m="http://schemas.openxmlformats.org/officeDocument/2006/math" xmlns="" val="1"/>
+              <ma14:wrappingTextBoxFlag xmlns="" xmlns:m="http://schemas.openxmlformats.org/officeDocument/2006/math" xmlns:a14="http://schemas.microsoft.com/office/drawing/2010/main" xmlns:ma14="http://schemas.microsoft.com/office/mac/drawingml/2011/main" val="1"/>
             </a:ext>
           </a:extLst>
         </p:spPr>
@@ -6970,7 +6975,7 @@
 </file>
 
 <file path=ppt/slides/slide3.xml><?xml version="1.0" encoding="utf-8"?>
-<p:sld xmlns:a="http://schemas.openxmlformats.org/drawingml/2006/main" xmlns:r="http://schemas.openxmlformats.org/officeDocument/2006/relationships" xmlns:p="http://schemas.openxmlformats.org/presentationml/2006/main" show="0">
+<p:sld xmlns:a="http://schemas.openxmlformats.org/drawingml/2006/main" xmlns:r="http://schemas.openxmlformats.org/officeDocument/2006/relationships" xmlns:p="http://schemas.openxmlformats.org/presentationml/2006/main">
   <p:cSld>
     <p:spTree>
       <p:nvGrpSpPr>
@@ -7071,7 +7076,7 @@
           </a:ln>
           <a:extLst>
             <a:ext uri="{C572A759-6A51-4108-AA02-DFA0A04FC94B}">
-              <ma14:wrappingTextBoxFlag xmlns:ma14="http://schemas.microsoft.com/office/mac/drawingml/2011/main" xmlns:a14="http://schemas.microsoft.com/office/drawing/2010/main" xmlns:m="http://schemas.openxmlformats.org/officeDocument/2006/math" xmlns="" val="1"/>
+              <ma14:wrappingTextBoxFlag xmlns="" xmlns:m="http://schemas.openxmlformats.org/officeDocument/2006/math" xmlns:a14="http://schemas.microsoft.com/office/drawing/2010/main" xmlns:ma14="http://schemas.microsoft.com/office/mac/drawingml/2011/main" val="1"/>
             </a:ext>
           </a:extLst>
         </p:spPr>
@@ -7113,7 +7118,7 @@
 </file>
 
 <file path=ppt/slides/slide4.xml><?xml version="1.0" encoding="utf-8"?>
-<p:sld xmlns:a="http://schemas.openxmlformats.org/drawingml/2006/main" xmlns:r="http://schemas.openxmlformats.org/officeDocument/2006/relationships" xmlns:p="http://schemas.openxmlformats.org/presentationml/2006/main" show="0">
+<p:sld xmlns:a="http://schemas.openxmlformats.org/drawingml/2006/main" xmlns:r="http://schemas.openxmlformats.org/officeDocument/2006/relationships" xmlns:p="http://schemas.openxmlformats.org/presentationml/2006/main">
   <p:cSld>
     <p:spTree>
       <p:nvGrpSpPr>
@@ -7215,7 +7220,7 @@
           </a:ln>
           <a:extLst>
             <a:ext uri="{C572A759-6A51-4108-AA02-DFA0A04FC94B}">
-              <ma14:wrappingTextBoxFlag xmlns:ma14="http://schemas.microsoft.com/office/mac/drawingml/2011/main" xmlns:a14="http://schemas.microsoft.com/office/drawing/2010/main" xmlns:m="http://schemas.openxmlformats.org/officeDocument/2006/math" xmlns="" val="1"/>
+              <ma14:wrappingTextBoxFlag xmlns="" xmlns:m="http://schemas.openxmlformats.org/officeDocument/2006/math" xmlns:a14="http://schemas.microsoft.com/office/drawing/2010/main" xmlns:ma14="http://schemas.microsoft.com/office/mac/drawingml/2011/main" val="1"/>
             </a:ext>
           </a:extLst>
         </p:spPr>
@@ -7257,7 +7262,7 @@
 </file>
 
 <file path=ppt/slides/slide5.xml><?xml version="1.0" encoding="utf-8"?>
-<p:sld xmlns:a="http://schemas.openxmlformats.org/drawingml/2006/main" xmlns:r="http://schemas.openxmlformats.org/officeDocument/2006/relationships" xmlns:p="http://schemas.openxmlformats.org/presentationml/2006/main" show="0">
+<p:sld xmlns:a="http://schemas.openxmlformats.org/drawingml/2006/main" xmlns:r="http://schemas.openxmlformats.org/officeDocument/2006/relationships" xmlns:p="http://schemas.openxmlformats.org/presentationml/2006/main">
   <p:cSld>
     <p:spTree>
       <p:nvGrpSpPr>
@@ -7322,7 +7327,7 @@
           </a:ln>
           <a:extLst>
             <a:ext uri="{C572A759-6A51-4108-AA02-DFA0A04FC94B}">
-              <ma14:wrappingTextBoxFlag xmlns:ma14="http://schemas.microsoft.com/office/mac/drawingml/2011/main" xmlns:a14="http://schemas.microsoft.com/office/drawing/2010/main" xmlns:m="http://schemas.openxmlformats.org/officeDocument/2006/math" xmlns="" val="1"/>
+              <ma14:wrappingTextBoxFlag xmlns="" xmlns:m="http://schemas.openxmlformats.org/officeDocument/2006/math" xmlns:a14="http://schemas.microsoft.com/office/drawing/2010/main" xmlns:ma14="http://schemas.microsoft.com/office/mac/drawingml/2011/main" val="1"/>
             </a:ext>
           </a:extLst>
         </p:spPr>
@@ -7577,7 +7582,7 @@
           </a:ln>
           <a:extLst>
             <a:ext uri="{C572A759-6A51-4108-AA02-DFA0A04FC94B}">
-              <ma14:wrappingTextBoxFlag xmlns:ma14="http://schemas.microsoft.com/office/mac/drawingml/2011/main" xmlns:a14="http://schemas.microsoft.com/office/drawing/2010/main" xmlns:m="http://schemas.openxmlformats.org/officeDocument/2006/math" xmlns="" val="1"/>
+              <ma14:wrappingTextBoxFlag xmlns="" xmlns:m="http://schemas.openxmlformats.org/officeDocument/2006/math" xmlns:a14="http://schemas.microsoft.com/office/drawing/2010/main" xmlns:ma14="http://schemas.microsoft.com/office/mac/drawingml/2011/main" val="1"/>
             </a:ext>
           </a:extLst>
         </p:spPr>
@@ -7619,7 +7624,7 @@
 </file>
 
 <file path=ppt/slides/slide6.xml><?xml version="1.0" encoding="utf-8"?>
-<p:sld xmlns:a="http://schemas.openxmlformats.org/drawingml/2006/main" xmlns:r="http://schemas.openxmlformats.org/officeDocument/2006/relationships" xmlns:p="http://schemas.openxmlformats.org/presentationml/2006/main" show="0">
+<p:sld xmlns:a="http://schemas.openxmlformats.org/drawingml/2006/main" xmlns:r="http://schemas.openxmlformats.org/officeDocument/2006/relationships" xmlns:p="http://schemas.openxmlformats.org/presentationml/2006/main">
   <p:cSld>
     <p:spTree>
       <p:nvGrpSpPr>
@@ -7684,7 +7689,7 @@
           </a:ln>
           <a:extLst>
             <a:ext uri="{C572A759-6A51-4108-AA02-DFA0A04FC94B}">
-              <ma14:wrappingTextBoxFlag xmlns:ma14="http://schemas.microsoft.com/office/mac/drawingml/2011/main" xmlns:a14="http://schemas.microsoft.com/office/drawing/2010/main" xmlns:m="http://schemas.openxmlformats.org/officeDocument/2006/math" xmlns="" val="1"/>
+              <ma14:wrappingTextBoxFlag xmlns="" xmlns:m="http://schemas.openxmlformats.org/officeDocument/2006/math" xmlns:a14="http://schemas.microsoft.com/office/drawing/2010/main" xmlns:ma14="http://schemas.microsoft.com/office/mac/drawingml/2011/main" val="1"/>
             </a:ext>
           </a:extLst>
         </p:spPr>
@@ -7939,7 +7944,7 @@
           </a:ln>
           <a:extLst>
             <a:ext uri="{C572A759-6A51-4108-AA02-DFA0A04FC94B}">
-              <ma14:wrappingTextBoxFlag xmlns:ma14="http://schemas.microsoft.com/office/mac/drawingml/2011/main" xmlns:a14="http://schemas.microsoft.com/office/drawing/2010/main" xmlns:m="http://schemas.openxmlformats.org/officeDocument/2006/math" xmlns="" val="1"/>
+              <ma14:wrappingTextBoxFlag xmlns="" xmlns:m="http://schemas.openxmlformats.org/officeDocument/2006/math" xmlns:a14="http://schemas.microsoft.com/office/drawing/2010/main" xmlns:ma14="http://schemas.microsoft.com/office/mac/drawingml/2011/main" val="1"/>
             </a:ext>
           </a:extLst>
         </p:spPr>
@@ -8025,7 +8030,7 @@
 </file>
 
 <file path=ppt/slides/slide7.xml><?xml version="1.0" encoding="utf-8"?>
-<p:sld xmlns:a="http://schemas.openxmlformats.org/drawingml/2006/main" xmlns:r="http://schemas.openxmlformats.org/officeDocument/2006/relationships" xmlns:p="http://schemas.openxmlformats.org/presentationml/2006/main" show="0">
+<p:sld xmlns:a="http://schemas.openxmlformats.org/drawingml/2006/main" xmlns:r="http://schemas.openxmlformats.org/officeDocument/2006/relationships" xmlns:p="http://schemas.openxmlformats.org/presentationml/2006/main">
   <p:cSld>
     <p:spTree>
       <p:nvGrpSpPr>
@@ -8090,7 +8095,7 @@
           </a:ln>
           <a:extLst>
             <a:ext uri="{C572A759-6A51-4108-AA02-DFA0A04FC94B}">
-              <ma14:wrappingTextBoxFlag xmlns:ma14="http://schemas.microsoft.com/office/mac/drawingml/2011/main" xmlns:a14="http://schemas.microsoft.com/office/drawing/2010/main" xmlns:m="http://schemas.openxmlformats.org/officeDocument/2006/math" xmlns="" val="1"/>
+              <ma14:wrappingTextBoxFlag xmlns="" xmlns:m="http://schemas.openxmlformats.org/officeDocument/2006/math" xmlns:a14="http://schemas.microsoft.com/office/drawing/2010/main" xmlns:ma14="http://schemas.microsoft.com/office/mac/drawingml/2011/main" val="1"/>
             </a:ext>
           </a:extLst>
         </p:spPr>
@@ -8345,7 +8350,7 @@
           </a:ln>
           <a:extLst>
             <a:ext uri="{C572A759-6A51-4108-AA02-DFA0A04FC94B}">
-              <ma14:wrappingTextBoxFlag xmlns:ma14="http://schemas.microsoft.com/office/mac/drawingml/2011/main" xmlns:a14="http://schemas.microsoft.com/office/drawing/2010/main" xmlns:m="http://schemas.openxmlformats.org/officeDocument/2006/math" xmlns="" val="1"/>
+              <ma14:wrappingTextBoxFlag xmlns="" xmlns:m="http://schemas.openxmlformats.org/officeDocument/2006/math" xmlns:a14="http://schemas.microsoft.com/office/drawing/2010/main" xmlns:ma14="http://schemas.microsoft.com/office/mac/drawingml/2011/main" val="1"/>
             </a:ext>
           </a:extLst>
         </p:spPr>
@@ -8450,7 +8455,7 @@
 </file>
 
 <file path=ppt/slides/slide8.xml><?xml version="1.0" encoding="utf-8"?>
-<p:sld xmlns:a="http://schemas.openxmlformats.org/drawingml/2006/main" xmlns:r="http://schemas.openxmlformats.org/officeDocument/2006/relationships" xmlns:p="http://schemas.openxmlformats.org/presentationml/2006/main" show="0">
+<p:sld xmlns:a="http://schemas.openxmlformats.org/drawingml/2006/main" xmlns:r="http://schemas.openxmlformats.org/officeDocument/2006/relationships" xmlns:p="http://schemas.openxmlformats.org/presentationml/2006/main">
   <p:cSld>
     <p:spTree>
       <p:nvGrpSpPr>
@@ -8515,7 +8520,7 @@
           </a:ln>
           <a:extLst>
             <a:ext uri="{C572A759-6A51-4108-AA02-DFA0A04FC94B}">
-              <ma14:wrappingTextBoxFlag xmlns:ma14="http://schemas.microsoft.com/office/mac/drawingml/2011/main" xmlns:a14="http://schemas.microsoft.com/office/drawing/2010/main" xmlns:m="http://schemas.openxmlformats.org/officeDocument/2006/math" xmlns="" val="1"/>
+              <ma14:wrappingTextBoxFlag xmlns="" xmlns:m="http://schemas.openxmlformats.org/officeDocument/2006/math" xmlns:a14="http://schemas.microsoft.com/office/drawing/2010/main" xmlns:ma14="http://schemas.microsoft.com/office/mac/drawingml/2011/main" val="1"/>
             </a:ext>
           </a:extLst>
         </p:spPr>
@@ -8858,7 +8863,7 @@
           </a:ln>
           <a:extLst>
             <a:ext uri="{C572A759-6A51-4108-AA02-DFA0A04FC94B}">
-              <ma14:wrappingTextBoxFlag xmlns:ma14="http://schemas.microsoft.com/office/mac/drawingml/2011/main" xmlns:a14="http://schemas.microsoft.com/office/drawing/2010/main" xmlns:m="http://schemas.openxmlformats.org/officeDocument/2006/math" xmlns="" val="1"/>
+              <ma14:wrappingTextBoxFlag xmlns="" xmlns:m="http://schemas.openxmlformats.org/officeDocument/2006/math" xmlns:a14="http://schemas.microsoft.com/office/drawing/2010/main" xmlns:ma14="http://schemas.microsoft.com/office/mac/drawingml/2011/main" val="1"/>
             </a:ext>
           </a:extLst>
         </p:spPr>
@@ -8919,7 +8924,7 @@
 </file>
 
 <file path=ppt/slides/slide9.xml><?xml version="1.0" encoding="utf-8"?>
-<p:sld xmlns:a="http://schemas.openxmlformats.org/drawingml/2006/main" xmlns:r="http://schemas.openxmlformats.org/officeDocument/2006/relationships" xmlns:p="http://schemas.openxmlformats.org/presentationml/2006/main" show="0">
+<p:sld xmlns:a="http://schemas.openxmlformats.org/drawingml/2006/main" xmlns:r="http://schemas.openxmlformats.org/officeDocument/2006/relationships" xmlns:p="http://schemas.openxmlformats.org/presentationml/2006/main">
   <p:cSld>
     <p:spTree>
       <p:nvGrpSpPr>
@@ -8984,7 +8989,7 @@
           </a:ln>
           <a:extLst>
             <a:ext uri="{C572A759-6A51-4108-AA02-DFA0A04FC94B}">
-              <ma14:wrappingTextBoxFlag xmlns:ma14="http://schemas.microsoft.com/office/mac/drawingml/2011/main" xmlns:a14="http://schemas.microsoft.com/office/drawing/2010/main" xmlns:m="http://schemas.openxmlformats.org/officeDocument/2006/math" xmlns="" val="1"/>
+              <ma14:wrappingTextBoxFlag xmlns="" xmlns:m="http://schemas.openxmlformats.org/officeDocument/2006/math" xmlns:a14="http://schemas.microsoft.com/office/drawing/2010/main" xmlns:ma14="http://schemas.microsoft.com/office/mac/drawingml/2011/main" val="1"/>
             </a:ext>
           </a:extLst>
         </p:spPr>
@@ -9239,7 +9244,7 @@
           </a:ln>
           <a:extLst>
             <a:ext uri="{C572A759-6A51-4108-AA02-DFA0A04FC94B}">
-              <ma14:wrappingTextBoxFlag xmlns:ma14="http://schemas.microsoft.com/office/mac/drawingml/2011/main" xmlns:a14="http://schemas.microsoft.com/office/drawing/2010/main" xmlns:m="http://schemas.openxmlformats.org/officeDocument/2006/math" xmlns="" val="1"/>
+              <ma14:wrappingTextBoxFlag xmlns="" xmlns:m="http://schemas.openxmlformats.org/officeDocument/2006/math" xmlns:a14="http://schemas.microsoft.com/office/drawing/2010/main" xmlns:ma14="http://schemas.microsoft.com/office/mac/drawingml/2011/main" val="1"/>
             </a:ext>
           </a:extLst>
         </p:spPr>
